--- a/素材/色卡.pptx
+++ b/素材/色卡.pptx
@@ -6,6 +6,7 @@
   </p:sldMasterIdLst>
   <p:sldIdLst>
     <p:sldId id="256" r:id="rId2"/>
+    <p:sldId id="257" r:id="rId3"/>
   </p:sldIdLst>
   <p:sldSz cx="12192000" cy="6858000"/>
   <p:notesSz cx="6858000" cy="9144000"/>
@@ -270,7 +271,7 @@
           <a:p>
             <a:fld id="{2B6B7497-F1D9-483B-80AE-C48E0106B5B7}" type="datetimeFigureOut">
               <a:rPr lang="zh-TW" altLang="en-US" smtClean="0"/>
-              <a:t>2022/3/20</a:t>
+              <a:t>2022/3/27</a:t>
             </a:fld>
             <a:endParaRPr lang="zh-TW" altLang="en-US"/>
           </a:p>
@@ -468,7 +469,7 @@
           <a:p>
             <a:fld id="{2B6B7497-F1D9-483B-80AE-C48E0106B5B7}" type="datetimeFigureOut">
               <a:rPr lang="zh-TW" altLang="en-US" smtClean="0"/>
-              <a:t>2022/3/20</a:t>
+              <a:t>2022/3/27</a:t>
             </a:fld>
             <a:endParaRPr lang="zh-TW" altLang="en-US"/>
           </a:p>
@@ -676,7 +677,7 @@
           <a:p>
             <a:fld id="{2B6B7497-F1D9-483B-80AE-C48E0106B5B7}" type="datetimeFigureOut">
               <a:rPr lang="zh-TW" altLang="en-US" smtClean="0"/>
-              <a:t>2022/3/20</a:t>
+              <a:t>2022/3/27</a:t>
             </a:fld>
             <a:endParaRPr lang="zh-TW" altLang="en-US"/>
           </a:p>
@@ -874,7 +875,7 @@
           <a:p>
             <a:fld id="{2B6B7497-F1D9-483B-80AE-C48E0106B5B7}" type="datetimeFigureOut">
               <a:rPr lang="zh-TW" altLang="en-US" smtClean="0"/>
-              <a:t>2022/3/20</a:t>
+              <a:t>2022/3/27</a:t>
             </a:fld>
             <a:endParaRPr lang="zh-TW" altLang="en-US"/>
           </a:p>
@@ -1149,7 +1150,7 @@
           <a:p>
             <a:fld id="{2B6B7497-F1D9-483B-80AE-C48E0106B5B7}" type="datetimeFigureOut">
               <a:rPr lang="zh-TW" altLang="en-US" smtClean="0"/>
-              <a:t>2022/3/20</a:t>
+              <a:t>2022/3/27</a:t>
             </a:fld>
             <a:endParaRPr lang="zh-TW" altLang="en-US"/>
           </a:p>
@@ -1414,7 +1415,7 @@
           <a:p>
             <a:fld id="{2B6B7497-F1D9-483B-80AE-C48E0106B5B7}" type="datetimeFigureOut">
               <a:rPr lang="zh-TW" altLang="en-US" smtClean="0"/>
-              <a:t>2022/3/20</a:t>
+              <a:t>2022/3/27</a:t>
             </a:fld>
             <a:endParaRPr lang="zh-TW" altLang="en-US"/>
           </a:p>
@@ -1826,7 +1827,7 @@
           <a:p>
             <a:fld id="{2B6B7497-F1D9-483B-80AE-C48E0106B5B7}" type="datetimeFigureOut">
               <a:rPr lang="zh-TW" altLang="en-US" smtClean="0"/>
-              <a:t>2022/3/20</a:t>
+              <a:t>2022/3/27</a:t>
             </a:fld>
             <a:endParaRPr lang="zh-TW" altLang="en-US"/>
           </a:p>
@@ -1967,7 +1968,7 @@
           <a:p>
             <a:fld id="{2B6B7497-F1D9-483B-80AE-C48E0106B5B7}" type="datetimeFigureOut">
               <a:rPr lang="zh-TW" altLang="en-US" smtClean="0"/>
-              <a:t>2022/3/20</a:t>
+              <a:t>2022/3/27</a:t>
             </a:fld>
             <a:endParaRPr lang="zh-TW" altLang="en-US"/>
           </a:p>
@@ -2080,7 +2081,7 @@
           <a:p>
             <a:fld id="{2B6B7497-F1D9-483B-80AE-C48E0106B5B7}" type="datetimeFigureOut">
               <a:rPr lang="zh-TW" altLang="en-US" smtClean="0"/>
-              <a:t>2022/3/20</a:t>
+              <a:t>2022/3/27</a:t>
             </a:fld>
             <a:endParaRPr lang="zh-TW" altLang="en-US"/>
           </a:p>
@@ -2391,7 +2392,7 @@
           <a:p>
             <a:fld id="{2B6B7497-F1D9-483B-80AE-C48E0106B5B7}" type="datetimeFigureOut">
               <a:rPr lang="zh-TW" altLang="en-US" smtClean="0"/>
-              <a:t>2022/3/20</a:t>
+              <a:t>2022/3/27</a:t>
             </a:fld>
             <a:endParaRPr lang="zh-TW" altLang="en-US"/>
           </a:p>
@@ -2679,7 +2680,7 @@
           <a:p>
             <a:fld id="{2B6B7497-F1D9-483B-80AE-C48E0106B5B7}" type="datetimeFigureOut">
               <a:rPr lang="zh-TW" altLang="en-US" smtClean="0"/>
-              <a:t>2022/3/20</a:t>
+              <a:t>2022/3/27</a:t>
             </a:fld>
             <a:endParaRPr lang="zh-TW" altLang="en-US"/>
           </a:p>
@@ -2920,7 +2921,7 @@
           <a:p>
             <a:fld id="{2B6B7497-F1D9-483B-80AE-C48E0106B5B7}" type="datetimeFigureOut">
               <a:rPr lang="zh-TW" altLang="en-US" smtClean="0"/>
-              <a:t>2022/3/20</a:t>
+              <a:t>2022/3/27</a:t>
             </a:fld>
             <a:endParaRPr lang="zh-TW" altLang="en-US"/>
           </a:p>
@@ -3365,7 +3366,7 @@
         </p:blipFill>
         <p:spPr>
           <a:xfrm>
-            <a:off x="2240096" y="0"/>
+            <a:off x="2240097" y="0"/>
             <a:ext cx="7711807" cy="6858000"/>
           </a:xfrm>
           <a:prstGeom prst="rect">
@@ -3441,222 +3442,6 @@
       </p:sp>
       <p:sp>
         <p:nvSpPr>
-          <p:cNvPr id="9" name="矩形 8">
-            <a:extLst>
-              <a:ext uri="{FF2B5EF4-FFF2-40B4-BE49-F238E27FC236}">
-                <a16:creationId xmlns:a16="http://schemas.microsoft.com/office/drawing/2014/main" id="{7158DC43-2662-4989-8B6B-B982298757DE}"/>
-              </a:ext>
-            </a:extLst>
-          </p:cNvPr>
-          <p:cNvSpPr>
-            <a:spLocks noChangeAspect="1"/>
-          </p:cNvSpPr>
-          <p:nvPr/>
-        </p:nvSpPr>
-        <p:spPr>
-          <a:xfrm>
-            <a:off x="6384904" y="3619893"/>
-            <a:ext cx="720000" cy="720000"/>
-          </a:xfrm>
-          <a:prstGeom prst="rect">
-            <a:avLst/>
-          </a:prstGeom>
-          <a:solidFill>
-            <a:srgbClr val="ABEEE3"/>
-          </a:solidFill>
-          <a:ln>
-            <a:noFill/>
-          </a:ln>
-        </p:spPr>
-        <p:style>
-          <a:lnRef idx="2">
-            <a:schemeClr val="accent1">
-              <a:shade val="50000"/>
-            </a:schemeClr>
-          </a:lnRef>
-          <a:fillRef idx="1">
-            <a:schemeClr val="accent1"/>
-          </a:fillRef>
-          <a:effectRef idx="0">
-            <a:schemeClr val="accent1"/>
-          </a:effectRef>
-          <a:fontRef idx="minor">
-            <a:schemeClr val="lt1"/>
-          </a:fontRef>
-        </p:style>
-        <p:txBody>
-          <a:bodyPr rtlCol="0" anchor="ctr"/>
-          <a:lstStyle/>
-          <a:p>
-            <a:pPr algn="ctr"/>
-            <a:endParaRPr lang="zh-TW" altLang="en-US"/>
-          </a:p>
-        </p:txBody>
-      </p:sp>
-      <p:sp>
-        <p:nvSpPr>
-          <p:cNvPr id="10" name="矩形 9">
-            <a:extLst>
-              <a:ext uri="{FF2B5EF4-FFF2-40B4-BE49-F238E27FC236}">
-                <a16:creationId xmlns:a16="http://schemas.microsoft.com/office/drawing/2014/main" id="{F967AB33-EC30-49B0-A628-D990546CABCF}"/>
-              </a:ext>
-            </a:extLst>
-          </p:cNvPr>
-          <p:cNvSpPr>
-            <a:spLocks noChangeAspect="1"/>
-          </p:cNvSpPr>
-          <p:nvPr/>
-        </p:nvSpPr>
-        <p:spPr>
-          <a:xfrm>
-            <a:off x="9152767" y="6021368"/>
-            <a:ext cx="720000" cy="720000"/>
-          </a:xfrm>
-          <a:prstGeom prst="rect">
-            <a:avLst/>
-          </a:prstGeom>
-          <a:solidFill>
-            <a:srgbClr val="31B199"/>
-          </a:solidFill>
-          <a:ln>
-            <a:noFill/>
-          </a:ln>
-        </p:spPr>
-        <p:style>
-          <a:lnRef idx="2">
-            <a:schemeClr val="accent1">
-              <a:shade val="50000"/>
-            </a:schemeClr>
-          </a:lnRef>
-          <a:fillRef idx="1">
-            <a:schemeClr val="accent1"/>
-          </a:fillRef>
-          <a:effectRef idx="0">
-            <a:schemeClr val="accent1"/>
-          </a:effectRef>
-          <a:fontRef idx="minor">
-            <a:schemeClr val="lt1"/>
-          </a:fontRef>
-        </p:style>
-        <p:txBody>
-          <a:bodyPr rtlCol="0" anchor="ctr"/>
-          <a:lstStyle/>
-          <a:p>
-            <a:pPr algn="ctr"/>
-            <a:endParaRPr lang="zh-TW" altLang="en-US"/>
-          </a:p>
-        </p:txBody>
-      </p:sp>
-      <p:sp>
-        <p:nvSpPr>
-          <p:cNvPr id="11" name="矩形 10">
-            <a:extLst>
-              <a:ext uri="{FF2B5EF4-FFF2-40B4-BE49-F238E27FC236}">
-                <a16:creationId xmlns:a16="http://schemas.microsoft.com/office/drawing/2014/main" id="{B7B31249-3305-4C3D-8DC7-6129CF5C0BCA}"/>
-              </a:ext>
-            </a:extLst>
-          </p:cNvPr>
-          <p:cNvSpPr>
-            <a:spLocks noChangeAspect="1"/>
-          </p:cNvSpPr>
-          <p:nvPr/>
-        </p:nvSpPr>
-        <p:spPr>
-          <a:xfrm>
-            <a:off x="11000844" y="6015357"/>
-            <a:ext cx="720000" cy="720000"/>
-          </a:xfrm>
-          <a:prstGeom prst="rect">
-            <a:avLst/>
-          </a:prstGeom>
-          <a:solidFill>
-            <a:srgbClr val="237F6D"/>
-          </a:solidFill>
-          <a:ln>
-            <a:noFill/>
-          </a:ln>
-        </p:spPr>
-        <p:style>
-          <a:lnRef idx="2">
-            <a:schemeClr val="accent1">
-              <a:shade val="50000"/>
-            </a:schemeClr>
-          </a:lnRef>
-          <a:fillRef idx="1">
-            <a:schemeClr val="accent1"/>
-          </a:fillRef>
-          <a:effectRef idx="0">
-            <a:schemeClr val="accent1"/>
-          </a:effectRef>
-          <a:fontRef idx="minor">
-            <a:schemeClr val="lt1"/>
-          </a:fontRef>
-        </p:style>
-        <p:txBody>
-          <a:bodyPr rtlCol="0" anchor="ctr"/>
-          <a:lstStyle/>
-          <a:p>
-            <a:pPr algn="ctr"/>
-            <a:endParaRPr lang="zh-TW" altLang="en-US"/>
-          </a:p>
-        </p:txBody>
-      </p:sp>
-      <p:sp>
-        <p:nvSpPr>
-          <p:cNvPr id="16" name="矩形 15">
-            <a:extLst>
-              <a:ext uri="{FF2B5EF4-FFF2-40B4-BE49-F238E27FC236}">
-                <a16:creationId xmlns:a16="http://schemas.microsoft.com/office/drawing/2014/main" id="{9758E156-5BB2-462F-B650-7CDDB6EF1D0D}"/>
-              </a:ext>
-            </a:extLst>
-          </p:cNvPr>
-          <p:cNvSpPr>
-            <a:spLocks noChangeAspect="1"/>
-          </p:cNvSpPr>
-          <p:nvPr/>
-        </p:nvSpPr>
-        <p:spPr>
-          <a:xfrm>
-            <a:off x="8353631" y="6021368"/>
-            <a:ext cx="720000" cy="720000"/>
-          </a:xfrm>
-          <a:prstGeom prst="rect">
-            <a:avLst/>
-          </a:prstGeom>
-          <a:solidFill>
-            <a:srgbClr val="99E3D5"/>
-          </a:solidFill>
-          <a:ln>
-            <a:noFill/>
-          </a:ln>
-        </p:spPr>
-        <p:style>
-          <a:lnRef idx="2">
-            <a:schemeClr val="accent1">
-              <a:shade val="50000"/>
-            </a:schemeClr>
-          </a:lnRef>
-          <a:fillRef idx="1">
-            <a:schemeClr val="accent1"/>
-          </a:fillRef>
-          <a:effectRef idx="0">
-            <a:schemeClr val="accent1"/>
-          </a:effectRef>
-          <a:fontRef idx="minor">
-            <a:schemeClr val="lt1"/>
-          </a:fontRef>
-        </p:style>
-        <p:txBody>
-          <a:bodyPr rtlCol="0" anchor="ctr"/>
-          <a:lstStyle/>
-          <a:p>
-            <a:pPr algn="ctr"/>
-            <a:endParaRPr lang="zh-TW" altLang="en-US"/>
-          </a:p>
-        </p:txBody>
-      </p:sp>
-      <p:sp>
-        <p:nvSpPr>
           <p:cNvPr id="17" name="矩形 16">
             <a:extLst>
               <a:ext uri="{FF2B5EF4-FFF2-40B4-BE49-F238E27FC236}">
@@ -3723,114 +3508,6 @@
       </p:sp>
       <p:sp>
         <p:nvSpPr>
-          <p:cNvPr id="18" name="矩形 17">
-            <a:extLst>
-              <a:ext uri="{FF2B5EF4-FFF2-40B4-BE49-F238E27FC236}">
-                <a16:creationId xmlns:a16="http://schemas.microsoft.com/office/drawing/2014/main" id="{A2177635-155F-43B6-8386-51FF530ADB2A}"/>
-              </a:ext>
-            </a:extLst>
-          </p:cNvPr>
-          <p:cNvSpPr>
-            <a:spLocks noChangeAspect="1"/>
-          </p:cNvSpPr>
-          <p:nvPr/>
-        </p:nvSpPr>
-        <p:spPr>
-          <a:xfrm>
-            <a:off x="10048680" y="6015357"/>
-            <a:ext cx="720000" cy="720000"/>
-          </a:xfrm>
-          <a:prstGeom prst="rect">
-            <a:avLst/>
-          </a:prstGeom>
-          <a:solidFill>
-            <a:srgbClr val="2C9C87"/>
-          </a:solidFill>
-          <a:ln>
-            <a:noFill/>
-          </a:ln>
-        </p:spPr>
-        <p:style>
-          <a:lnRef idx="2">
-            <a:schemeClr val="accent1">
-              <a:shade val="50000"/>
-            </a:schemeClr>
-          </a:lnRef>
-          <a:fillRef idx="1">
-            <a:schemeClr val="accent1"/>
-          </a:fillRef>
-          <a:effectRef idx="0">
-            <a:schemeClr val="accent1"/>
-          </a:effectRef>
-          <a:fontRef idx="minor">
-            <a:schemeClr val="lt1"/>
-          </a:fontRef>
-        </p:style>
-        <p:txBody>
-          <a:bodyPr rtlCol="0" anchor="ctr"/>
-          <a:lstStyle/>
-          <a:p>
-            <a:pPr algn="ctr"/>
-            <a:endParaRPr lang="zh-TW" altLang="en-US"/>
-          </a:p>
-        </p:txBody>
-      </p:sp>
-      <p:sp>
-        <p:nvSpPr>
-          <p:cNvPr id="19" name="矩形 18">
-            <a:extLst>
-              <a:ext uri="{FF2B5EF4-FFF2-40B4-BE49-F238E27FC236}">
-                <a16:creationId xmlns:a16="http://schemas.microsoft.com/office/drawing/2014/main" id="{B0861C6E-5E9E-4D54-B978-48BB536D9377}"/>
-              </a:ext>
-            </a:extLst>
-          </p:cNvPr>
-          <p:cNvSpPr>
-            <a:spLocks noChangeAspect="1"/>
-          </p:cNvSpPr>
-          <p:nvPr/>
-        </p:nvSpPr>
-        <p:spPr>
-          <a:xfrm>
-            <a:off x="10861836" y="4933020"/>
-            <a:ext cx="720000" cy="720000"/>
-          </a:xfrm>
-          <a:prstGeom prst="rect">
-            <a:avLst/>
-          </a:prstGeom>
-          <a:solidFill>
-            <a:srgbClr val="1A6053"/>
-          </a:solidFill>
-          <a:ln>
-            <a:noFill/>
-          </a:ln>
-        </p:spPr>
-        <p:style>
-          <a:lnRef idx="2">
-            <a:schemeClr val="accent1">
-              <a:shade val="50000"/>
-            </a:schemeClr>
-          </a:lnRef>
-          <a:fillRef idx="1">
-            <a:schemeClr val="accent1"/>
-          </a:fillRef>
-          <a:effectRef idx="0">
-            <a:schemeClr val="accent1"/>
-          </a:effectRef>
-          <a:fontRef idx="minor">
-            <a:schemeClr val="lt1"/>
-          </a:fontRef>
-        </p:style>
-        <p:txBody>
-          <a:bodyPr rtlCol="0" anchor="ctr"/>
-          <a:lstStyle/>
-          <a:p>
-            <a:pPr algn="ctr"/>
-            <a:endParaRPr lang="zh-TW" altLang="en-US"/>
-          </a:p>
-        </p:txBody>
-      </p:sp>
-      <p:sp>
-        <p:nvSpPr>
           <p:cNvPr id="20" name="矩形 19">
             <a:extLst>
               <a:ext uri="{FF2B5EF4-FFF2-40B4-BE49-F238E27FC236}">
@@ -4023,6 +3700,262 @@
     <p:extLst>
       <p:ext uri="{BB962C8B-B14F-4D97-AF65-F5344CB8AC3E}">
         <p14:creationId xmlns:p14="http://schemas.microsoft.com/office/powerpoint/2010/main" val="320427773"/>
+      </p:ext>
+    </p:extLst>
+  </p:cSld>
+  <p:clrMapOvr>
+    <a:masterClrMapping/>
+  </p:clrMapOvr>
+</p:sld>
+</file>
+
+<file path=ppt/slides/slide2.xml><?xml version="1.0" encoding="utf-8"?>
+<p:sld xmlns:a="http://schemas.openxmlformats.org/drawingml/2006/main" xmlns:r="http://schemas.openxmlformats.org/officeDocument/2006/relationships" xmlns:p="http://schemas.openxmlformats.org/presentationml/2006/main">
+  <p:cSld>
+    <p:spTree>
+      <p:nvGrpSpPr>
+        <p:cNvPr id="1" name=""/>
+        <p:cNvGrpSpPr/>
+        <p:nvPr/>
+      </p:nvGrpSpPr>
+      <p:grpSpPr>
+        <a:xfrm>
+          <a:off x="0" y="0"/>
+          <a:ext cx="0" cy="0"/>
+          <a:chOff x="0" y="0"/>
+          <a:chExt cx="0" cy="0"/>
+        </a:xfrm>
+      </p:grpSpPr>
+      <p:sp>
+        <p:nvSpPr>
+          <p:cNvPr id="8" name="矩形 7">
+            <a:extLst>
+              <a:ext uri="{FF2B5EF4-FFF2-40B4-BE49-F238E27FC236}">
+                <a16:creationId xmlns:a16="http://schemas.microsoft.com/office/drawing/2014/main" id="{9AD58888-C606-40AA-8A23-1BCB1AF0580A}"/>
+              </a:ext>
+            </a:extLst>
+          </p:cNvPr>
+          <p:cNvSpPr>
+            <a:spLocks noChangeAspect="1"/>
+          </p:cNvSpPr>
+          <p:nvPr/>
+        </p:nvSpPr>
+        <p:spPr>
+          <a:xfrm>
+            <a:off x="471155" y="969529"/>
+            <a:ext cx="720000" cy="720000"/>
+          </a:xfrm>
+          <a:prstGeom prst="rect">
+            <a:avLst/>
+          </a:prstGeom>
+          <a:solidFill>
+            <a:srgbClr val="329FCF"/>
+          </a:solidFill>
+          <a:ln>
+            <a:noFill/>
+          </a:ln>
+        </p:spPr>
+        <p:style>
+          <a:lnRef idx="2">
+            <a:schemeClr val="accent1">
+              <a:shade val="50000"/>
+            </a:schemeClr>
+          </a:lnRef>
+          <a:fillRef idx="1">
+            <a:schemeClr val="accent1"/>
+          </a:fillRef>
+          <a:effectRef idx="0">
+            <a:schemeClr val="accent1"/>
+          </a:effectRef>
+          <a:fontRef idx="minor">
+            <a:schemeClr val="lt1"/>
+          </a:fontRef>
+        </p:style>
+        <p:txBody>
+          <a:bodyPr rtlCol="0" anchor="ctr"/>
+          <a:lstStyle/>
+          <a:p>
+            <a:pPr algn="ctr"/>
+            <a:r>
+              <a:rPr lang="en-US" altLang="zh-TW" sz="1100" dirty="0">
+                <a:solidFill>
+                  <a:schemeClr val="tx1"/>
+                </a:solidFill>
+              </a:rPr>
+              <a:t>#329FCF</a:t>
+            </a:r>
+            <a:endParaRPr lang="zh-TW" altLang="en-US" sz="1100" dirty="0">
+              <a:solidFill>
+                <a:schemeClr val="tx1"/>
+              </a:solidFill>
+            </a:endParaRPr>
+          </a:p>
+        </p:txBody>
+      </p:sp>
+      <p:sp>
+        <p:nvSpPr>
+          <p:cNvPr id="17" name="矩形 16">
+            <a:extLst>
+              <a:ext uri="{FF2B5EF4-FFF2-40B4-BE49-F238E27FC236}">
+                <a16:creationId xmlns:a16="http://schemas.microsoft.com/office/drawing/2014/main" id="{AE0BE27E-A963-4A6A-88E9-9EC943E5D1AB}"/>
+              </a:ext>
+            </a:extLst>
+          </p:cNvPr>
+          <p:cNvSpPr>
+            <a:spLocks noChangeAspect="1"/>
+          </p:cNvSpPr>
+          <p:nvPr/>
+        </p:nvSpPr>
+        <p:spPr>
+          <a:xfrm>
+            <a:off x="349856" y="1753425"/>
+            <a:ext cx="720000" cy="720000"/>
+          </a:xfrm>
+          <a:prstGeom prst="rect">
+            <a:avLst/>
+          </a:prstGeom>
+          <a:solidFill>
+            <a:srgbClr val="72DBED"/>
+          </a:solidFill>
+          <a:ln>
+            <a:noFill/>
+          </a:ln>
+        </p:spPr>
+        <p:style>
+          <a:lnRef idx="2">
+            <a:schemeClr val="accent1">
+              <a:shade val="50000"/>
+            </a:schemeClr>
+          </a:lnRef>
+          <a:fillRef idx="1">
+            <a:schemeClr val="accent1"/>
+          </a:fillRef>
+          <a:effectRef idx="0">
+            <a:schemeClr val="accent1"/>
+          </a:effectRef>
+          <a:fontRef idx="minor">
+            <a:schemeClr val="lt1"/>
+          </a:fontRef>
+        </p:style>
+        <p:txBody>
+          <a:bodyPr rtlCol="0" anchor="ctr"/>
+          <a:lstStyle/>
+          <a:p>
+            <a:pPr algn="ctr"/>
+            <a:r>
+              <a:rPr lang="en-US" altLang="zh-TW" sz="1100" dirty="0">
+                <a:solidFill>
+                  <a:schemeClr val="tx1"/>
+                </a:solidFill>
+              </a:rPr>
+              <a:t>#72DBED</a:t>
+            </a:r>
+            <a:endParaRPr lang="zh-TW" altLang="en-US" sz="1100" dirty="0">
+              <a:solidFill>
+                <a:schemeClr val="tx1"/>
+              </a:solidFill>
+            </a:endParaRPr>
+          </a:p>
+        </p:txBody>
+      </p:sp>
+      <p:sp>
+        <p:nvSpPr>
+          <p:cNvPr id="23" name="矩形 22">
+            <a:extLst>
+              <a:ext uri="{FF2B5EF4-FFF2-40B4-BE49-F238E27FC236}">
+                <a16:creationId xmlns:a16="http://schemas.microsoft.com/office/drawing/2014/main" id="{81A63B64-5796-42F3-8FDF-8D97E97A5474}"/>
+              </a:ext>
+            </a:extLst>
+          </p:cNvPr>
+          <p:cNvSpPr>
+            <a:spLocks noChangeAspect="1"/>
+          </p:cNvSpPr>
+          <p:nvPr/>
+        </p:nvSpPr>
+        <p:spPr>
+          <a:xfrm>
+            <a:off x="349856" y="179676"/>
+            <a:ext cx="720000" cy="720000"/>
+          </a:xfrm>
+          <a:prstGeom prst="rect">
+            <a:avLst/>
+          </a:prstGeom>
+          <a:solidFill>
+            <a:srgbClr val="0D7DBE"/>
+          </a:solidFill>
+          <a:ln>
+            <a:noFill/>
+          </a:ln>
+        </p:spPr>
+        <p:style>
+          <a:lnRef idx="2">
+            <a:schemeClr val="accent1">
+              <a:shade val="50000"/>
+            </a:schemeClr>
+          </a:lnRef>
+          <a:fillRef idx="1">
+            <a:schemeClr val="accent1"/>
+          </a:fillRef>
+          <a:effectRef idx="0">
+            <a:schemeClr val="accent1"/>
+          </a:effectRef>
+          <a:fontRef idx="minor">
+            <a:schemeClr val="lt1"/>
+          </a:fontRef>
+        </p:style>
+        <p:txBody>
+          <a:bodyPr rtlCol="0" anchor="ctr"/>
+          <a:lstStyle/>
+          <a:p>
+            <a:pPr algn="ctr"/>
+            <a:r>
+              <a:rPr lang="en-US" altLang="zh-TW" sz="1100" dirty="0"/>
+              <a:t>#0D7DBE</a:t>
+            </a:r>
+            <a:endParaRPr lang="zh-TW" altLang="en-US" sz="1100" dirty="0"/>
+          </a:p>
+        </p:txBody>
+      </p:sp>
+      <p:pic>
+        <p:nvPicPr>
+          <p:cNvPr id="3" name="圖片 2">
+            <a:extLst>
+              <a:ext uri="{FF2B5EF4-FFF2-40B4-BE49-F238E27FC236}">
+                <a16:creationId xmlns:a16="http://schemas.microsoft.com/office/drawing/2014/main" id="{BE4B88AB-9E75-40FF-BB8E-978E25F2037D}"/>
+              </a:ext>
+            </a:extLst>
+          </p:cNvPr>
+          <p:cNvPicPr>
+            <a:picLocks noChangeAspect="1"/>
+          </p:cNvPicPr>
+          <p:nvPr/>
+        </p:nvPicPr>
+        <p:blipFill>
+          <a:blip r:embed="rId2">
+            <a:extLst>
+              <a:ext uri="{28A0092B-C50C-407E-A947-70E740481C1C}">
+                <a14:useLocalDpi xmlns:a14="http://schemas.microsoft.com/office/drawing/2010/main" val="0"/>
+              </a:ext>
+            </a:extLst>
+          </a:blip>
+          <a:stretch>
+            <a:fillRect/>
+          </a:stretch>
+        </p:blipFill>
+        <p:spPr>
+          <a:xfrm>
+            <a:off x="0" y="4436342"/>
+            <a:ext cx="12192000" cy="2421658"/>
+          </a:xfrm>
+          <a:prstGeom prst="rect">
+            <a:avLst/>
+          </a:prstGeom>
+        </p:spPr>
+      </p:pic>
+    </p:spTree>
+    <p:extLst>
+      <p:ext uri="{BB962C8B-B14F-4D97-AF65-F5344CB8AC3E}">
+        <p14:creationId xmlns:p14="http://schemas.microsoft.com/office/powerpoint/2010/main" val="1374903477"/>
       </p:ext>
     </p:extLst>
   </p:cSld>

--- a/素材/色卡.pptx
+++ b/素材/色卡.pptx
@@ -271,7 +271,7 @@
           <a:p>
             <a:fld id="{2B6B7497-F1D9-483B-80AE-C48E0106B5B7}" type="datetimeFigureOut">
               <a:rPr lang="zh-TW" altLang="en-US" smtClean="0"/>
-              <a:t>2022/3/27</a:t>
+              <a:t>2022/4/2</a:t>
             </a:fld>
             <a:endParaRPr lang="zh-TW" altLang="en-US"/>
           </a:p>
@@ -469,7 +469,7 @@
           <a:p>
             <a:fld id="{2B6B7497-F1D9-483B-80AE-C48E0106B5B7}" type="datetimeFigureOut">
               <a:rPr lang="zh-TW" altLang="en-US" smtClean="0"/>
-              <a:t>2022/3/27</a:t>
+              <a:t>2022/4/2</a:t>
             </a:fld>
             <a:endParaRPr lang="zh-TW" altLang="en-US"/>
           </a:p>
@@ -677,7 +677,7 @@
           <a:p>
             <a:fld id="{2B6B7497-F1D9-483B-80AE-C48E0106B5B7}" type="datetimeFigureOut">
               <a:rPr lang="zh-TW" altLang="en-US" smtClean="0"/>
-              <a:t>2022/3/27</a:t>
+              <a:t>2022/4/2</a:t>
             </a:fld>
             <a:endParaRPr lang="zh-TW" altLang="en-US"/>
           </a:p>
@@ -875,7 +875,7 @@
           <a:p>
             <a:fld id="{2B6B7497-F1D9-483B-80AE-C48E0106B5B7}" type="datetimeFigureOut">
               <a:rPr lang="zh-TW" altLang="en-US" smtClean="0"/>
-              <a:t>2022/3/27</a:t>
+              <a:t>2022/4/2</a:t>
             </a:fld>
             <a:endParaRPr lang="zh-TW" altLang="en-US"/>
           </a:p>
@@ -1150,7 +1150,7 @@
           <a:p>
             <a:fld id="{2B6B7497-F1D9-483B-80AE-C48E0106B5B7}" type="datetimeFigureOut">
               <a:rPr lang="zh-TW" altLang="en-US" smtClean="0"/>
-              <a:t>2022/3/27</a:t>
+              <a:t>2022/4/2</a:t>
             </a:fld>
             <a:endParaRPr lang="zh-TW" altLang="en-US"/>
           </a:p>
@@ -1415,7 +1415,7 @@
           <a:p>
             <a:fld id="{2B6B7497-F1D9-483B-80AE-C48E0106B5B7}" type="datetimeFigureOut">
               <a:rPr lang="zh-TW" altLang="en-US" smtClean="0"/>
-              <a:t>2022/3/27</a:t>
+              <a:t>2022/4/2</a:t>
             </a:fld>
             <a:endParaRPr lang="zh-TW" altLang="en-US"/>
           </a:p>
@@ -1827,7 +1827,7 @@
           <a:p>
             <a:fld id="{2B6B7497-F1D9-483B-80AE-C48E0106B5B7}" type="datetimeFigureOut">
               <a:rPr lang="zh-TW" altLang="en-US" smtClean="0"/>
-              <a:t>2022/3/27</a:t>
+              <a:t>2022/4/2</a:t>
             </a:fld>
             <a:endParaRPr lang="zh-TW" altLang="en-US"/>
           </a:p>
@@ -1968,7 +1968,7 @@
           <a:p>
             <a:fld id="{2B6B7497-F1D9-483B-80AE-C48E0106B5B7}" type="datetimeFigureOut">
               <a:rPr lang="zh-TW" altLang="en-US" smtClean="0"/>
-              <a:t>2022/3/27</a:t>
+              <a:t>2022/4/2</a:t>
             </a:fld>
             <a:endParaRPr lang="zh-TW" altLang="en-US"/>
           </a:p>
@@ -2081,7 +2081,7 @@
           <a:p>
             <a:fld id="{2B6B7497-F1D9-483B-80AE-C48E0106B5B7}" type="datetimeFigureOut">
               <a:rPr lang="zh-TW" altLang="en-US" smtClean="0"/>
-              <a:t>2022/3/27</a:t>
+              <a:t>2022/4/2</a:t>
             </a:fld>
             <a:endParaRPr lang="zh-TW" altLang="en-US"/>
           </a:p>
@@ -2392,7 +2392,7 @@
           <a:p>
             <a:fld id="{2B6B7497-F1D9-483B-80AE-C48E0106B5B7}" type="datetimeFigureOut">
               <a:rPr lang="zh-TW" altLang="en-US" smtClean="0"/>
-              <a:t>2022/3/27</a:t>
+              <a:t>2022/4/2</a:t>
             </a:fld>
             <a:endParaRPr lang="zh-TW" altLang="en-US"/>
           </a:p>
@@ -2680,7 +2680,7 @@
           <a:p>
             <a:fld id="{2B6B7497-F1D9-483B-80AE-C48E0106B5B7}" type="datetimeFigureOut">
               <a:rPr lang="zh-TW" altLang="en-US" smtClean="0"/>
-              <a:t>2022/3/27</a:t>
+              <a:t>2022/4/2</a:t>
             </a:fld>
             <a:endParaRPr lang="zh-TW" altLang="en-US"/>
           </a:p>
@@ -2921,7 +2921,7 @@
           <a:p>
             <a:fld id="{2B6B7497-F1D9-483B-80AE-C48E0106B5B7}" type="datetimeFigureOut">
               <a:rPr lang="zh-TW" altLang="en-US" smtClean="0"/>
-              <a:t>2022/3/27</a:t>
+              <a:t>2022/4/2</a:t>
             </a:fld>
             <a:endParaRPr lang="zh-TW" altLang="en-US"/>
           </a:p>
@@ -3696,6 +3696,72 @@
           </a:p>
         </p:txBody>
       </p:sp>
+      <p:sp>
+        <p:nvSpPr>
+          <p:cNvPr id="9" name="矩形 8">
+            <a:extLst>
+              <a:ext uri="{FF2B5EF4-FFF2-40B4-BE49-F238E27FC236}">
+                <a16:creationId xmlns:a16="http://schemas.microsoft.com/office/drawing/2014/main" id="{DFD096BC-243C-4E19-8B2C-4AED3B6354FC}"/>
+              </a:ext>
+            </a:extLst>
+          </p:cNvPr>
+          <p:cNvSpPr>
+            <a:spLocks noChangeAspect="1"/>
+          </p:cNvSpPr>
+          <p:nvPr/>
+        </p:nvSpPr>
+        <p:spPr>
+          <a:xfrm>
+            <a:off x="1294976" y="539676"/>
+            <a:ext cx="720000" cy="720000"/>
+          </a:xfrm>
+          <a:prstGeom prst="rect">
+            <a:avLst/>
+          </a:prstGeom>
+          <a:solidFill>
+            <a:srgbClr val="1E6C5D"/>
+          </a:solidFill>
+          <a:ln>
+            <a:noFill/>
+          </a:ln>
+        </p:spPr>
+        <p:style>
+          <a:lnRef idx="2">
+            <a:schemeClr val="accent1">
+              <a:shade val="50000"/>
+            </a:schemeClr>
+          </a:lnRef>
+          <a:fillRef idx="1">
+            <a:schemeClr val="accent1"/>
+          </a:fillRef>
+          <a:effectRef idx="0">
+            <a:schemeClr val="accent1"/>
+          </a:effectRef>
+          <a:fontRef idx="minor">
+            <a:schemeClr val="lt1"/>
+          </a:fontRef>
+        </p:style>
+        <p:txBody>
+          <a:bodyPr rtlCol="0" anchor="ctr"/>
+          <a:lstStyle/>
+          <a:p>
+            <a:pPr algn="ctr"/>
+            <a:r>
+              <a:rPr lang="en-US" altLang="zh-TW" sz="1100" dirty="0">
+                <a:solidFill>
+                  <a:schemeClr val="tx1"/>
+                </a:solidFill>
+              </a:rPr>
+              <a:t>#36C5A9</a:t>
+            </a:r>
+            <a:endParaRPr lang="zh-TW" altLang="en-US" sz="1100" dirty="0">
+              <a:solidFill>
+                <a:schemeClr val="tx1"/>
+              </a:solidFill>
+            </a:endParaRPr>
+          </a:p>
+        </p:txBody>
+      </p:sp>
     </p:spTree>
     <p:extLst>
       <p:ext uri="{BB962C8B-B14F-4D97-AF65-F5344CB8AC3E}">

--- a/素材/色卡.pptx
+++ b/素材/色卡.pptx
@@ -6,7 +6,8 @@
   </p:sldMasterIdLst>
   <p:sldIdLst>
     <p:sldId id="256" r:id="rId2"/>
-    <p:sldId id="257" r:id="rId3"/>
+    <p:sldId id="258" r:id="rId3"/>
+    <p:sldId id="257" r:id="rId4"/>
   </p:sldIdLst>
   <p:sldSz cx="12192000" cy="6858000"/>
   <p:notesSz cx="6858000" cy="9144000"/>
@@ -271,7 +272,7 @@
           <a:p>
             <a:fld id="{2B6B7497-F1D9-483B-80AE-C48E0106B5B7}" type="datetimeFigureOut">
               <a:rPr lang="zh-TW" altLang="en-US" smtClean="0"/>
-              <a:t>2022/4/2</a:t>
+              <a:t>2022/4/4</a:t>
             </a:fld>
             <a:endParaRPr lang="zh-TW" altLang="en-US"/>
           </a:p>
@@ -469,7 +470,7 @@
           <a:p>
             <a:fld id="{2B6B7497-F1D9-483B-80AE-C48E0106B5B7}" type="datetimeFigureOut">
               <a:rPr lang="zh-TW" altLang="en-US" smtClean="0"/>
-              <a:t>2022/4/2</a:t>
+              <a:t>2022/4/4</a:t>
             </a:fld>
             <a:endParaRPr lang="zh-TW" altLang="en-US"/>
           </a:p>
@@ -677,7 +678,7 @@
           <a:p>
             <a:fld id="{2B6B7497-F1D9-483B-80AE-C48E0106B5B7}" type="datetimeFigureOut">
               <a:rPr lang="zh-TW" altLang="en-US" smtClean="0"/>
-              <a:t>2022/4/2</a:t>
+              <a:t>2022/4/4</a:t>
             </a:fld>
             <a:endParaRPr lang="zh-TW" altLang="en-US"/>
           </a:p>
@@ -875,7 +876,7 @@
           <a:p>
             <a:fld id="{2B6B7497-F1D9-483B-80AE-C48E0106B5B7}" type="datetimeFigureOut">
               <a:rPr lang="zh-TW" altLang="en-US" smtClean="0"/>
-              <a:t>2022/4/2</a:t>
+              <a:t>2022/4/4</a:t>
             </a:fld>
             <a:endParaRPr lang="zh-TW" altLang="en-US"/>
           </a:p>
@@ -1150,7 +1151,7 @@
           <a:p>
             <a:fld id="{2B6B7497-F1D9-483B-80AE-C48E0106B5B7}" type="datetimeFigureOut">
               <a:rPr lang="zh-TW" altLang="en-US" smtClean="0"/>
-              <a:t>2022/4/2</a:t>
+              <a:t>2022/4/4</a:t>
             </a:fld>
             <a:endParaRPr lang="zh-TW" altLang="en-US"/>
           </a:p>
@@ -1415,7 +1416,7 @@
           <a:p>
             <a:fld id="{2B6B7497-F1D9-483B-80AE-C48E0106B5B7}" type="datetimeFigureOut">
               <a:rPr lang="zh-TW" altLang="en-US" smtClean="0"/>
-              <a:t>2022/4/2</a:t>
+              <a:t>2022/4/4</a:t>
             </a:fld>
             <a:endParaRPr lang="zh-TW" altLang="en-US"/>
           </a:p>
@@ -1827,7 +1828,7 @@
           <a:p>
             <a:fld id="{2B6B7497-F1D9-483B-80AE-C48E0106B5B7}" type="datetimeFigureOut">
               <a:rPr lang="zh-TW" altLang="en-US" smtClean="0"/>
-              <a:t>2022/4/2</a:t>
+              <a:t>2022/4/4</a:t>
             </a:fld>
             <a:endParaRPr lang="zh-TW" altLang="en-US"/>
           </a:p>
@@ -1968,7 +1969,7 @@
           <a:p>
             <a:fld id="{2B6B7497-F1D9-483B-80AE-C48E0106B5B7}" type="datetimeFigureOut">
               <a:rPr lang="zh-TW" altLang="en-US" smtClean="0"/>
-              <a:t>2022/4/2</a:t>
+              <a:t>2022/4/4</a:t>
             </a:fld>
             <a:endParaRPr lang="zh-TW" altLang="en-US"/>
           </a:p>
@@ -2081,7 +2082,7 @@
           <a:p>
             <a:fld id="{2B6B7497-F1D9-483B-80AE-C48E0106B5B7}" type="datetimeFigureOut">
               <a:rPr lang="zh-TW" altLang="en-US" smtClean="0"/>
-              <a:t>2022/4/2</a:t>
+              <a:t>2022/4/4</a:t>
             </a:fld>
             <a:endParaRPr lang="zh-TW" altLang="en-US"/>
           </a:p>
@@ -2392,7 +2393,7 @@
           <a:p>
             <a:fld id="{2B6B7497-F1D9-483B-80AE-C48E0106B5B7}" type="datetimeFigureOut">
               <a:rPr lang="zh-TW" altLang="en-US" smtClean="0"/>
-              <a:t>2022/4/2</a:t>
+              <a:t>2022/4/4</a:t>
             </a:fld>
             <a:endParaRPr lang="zh-TW" altLang="en-US"/>
           </a:p>
@@ -2680,7 +2681,7 @@
           <a:p>
             <a:fld id="{2B6B7497-F1D9-483B-80AE-C48E0106B5B7}" type="datetimeFigureOut">
               <a:rPr lang="zh-TW" altLang="en-US" smtClean="0"/>
-              <a:t>2022/4/2</a:t>
+              <a:t>2022/4/4</a:t>
             </a:fld>
             <a:endParaRPr lang="zh-TW" altLang="en-US"/>
           </a:p>
@@ -2921,7 +2922,7 @@
           <a:p>
             <a:fld id="{2B6B7497-F1D9-483B-80AE-C48E0106B5B7}" type="datetimeFigureOut">
               <a:rPr lang="zh-TW" altLang="en-US" smtClean="0"/>
-              <a:t>2022/4/2</a:t>
+              <a:t>2022/4/4</a:t>
             </a:fld>
             <a:endParaRPr lang="zh-TW" altLang="en-US"/>
           </a:p>
@@ -3747,12 +3748,12 @@
           <a:p>
             <a:pPr algn="ctr"/>
             <a:r>
-              <a:rPr lang="en-US" altLang="zh-TW" sz="1100" dirty="0">
+              <a:rPr lang="en-US" altLang="zh-TW" sz="1100">
                 <a:solidFill>
                   <a:schemeClr val="tx1"/>
                 </a:solidFill>
               </a:rPr>
-              <a:t>#36C5A9</a:t>
+              <a:t>#1E6C5D</a:t>
             </a:r>
             <a:endParaRPr lang="zh-TW" altLang="en-US" sz="1100" dirty="0">
               <a:solidFill>
@@ -3776,6 +3777,130 @@
 </file>
 
 <file path=ppt/slides/slide2.xml><?xml version="1.0" encoding="utf-8"?>
+<p:sld xmlns:a="http://schemas.openxmlformats.org/drawingml/2006/main" xmlns:r="http://schemas.openxmlformats.org/officeDocument/2006/relationships" xmlns:p="http://schemas.openxmlformats.org/presentationml/2006/main">
+  <p:cSld>
+    <p:spTree>
+      <p:nvGrpSpPr>
+        <p:cNvPr id="1" name=""/>
+        <p:cNvGrpSpPr/>
+        <p:nvPr/>
+      </p:nvGrpSpPr>
+      <p:grpSpPr>
+        <a:xfrm>
+          <a:off x="0" y="0"/>
+          <a:ext cx="0" cy="0"/>
+          <a:chOff x="0" y="0"/>
+          <a:chExt cx="0" cy="0"/>
+        </a:xfrm>
+      </p:grpSpPr>
+      <p:sp>
+        <p:nvSpPr>
+          <p:cNvPr id="23" name="矩形 22">
+            <a:extLst>
+              <a:ext uri="{FF2B5EF4-FFF2-40B4-BE49-F238E27FC236}">
+                <a16:creationId xmlns:a16="http://schemas.microsoft.com/office/drawing/2014/main" id="{81A63B64-5796-42F3-8FDF-8D97E97A5474}"/>
+              </a:ext>
+            </a:extLst>
+          </p:cNvPr>
+          <p:cNvSpPr>
+            <a:spLocks noChangeAspect="1"/>
+          </p:cNvSpPr>
+          <p:nvPr/>
+        </p:nvSpPr>
+        <p:spPr>
+          <a:xfrm>
+            <a:off x="349856" y="179676"/>
+            <a:ext cx="720000" cy="720000"/>
+          </a:xfrm>
+          <a:prstGeom prst="rect">
+            <a:avLst/>
+          </a:prstGeom>
+          <a:solidFill>
+            <a:srgbClr val="008080"/>
+          </a:solidFill>
+          <a:ln>
+            <a:noFill/>
+          </a:ln>
+        </p:spPr>
+        <p:style>
+          <a:lnRef idx="2">
+            <a:schemeClr val="accent1">
+              <a:shade val="50000"/>
+            </a:schemeClr>
+          </a:lnRef>
+          <a:fillRef idx="1">
+            <a:schemeClr val="accent1"/>
+          </a:fillRef>
+          <a:effectRef idx="0">
+            <a:schemeClr val="accent1"/>
+          </a:effectRef>
+          <a:fontRef idx="minor">
+            <a:schemeClr val="lt1"/>
+          </a:fontRef>
+        </p:style>
+        <p:txBody>
+          <a:bodyPr rtlCol="0" anchor="ctr"/>
+          <a:lstStyle/>
+          <a:p>
+            <a:pPr algn="ctr"/>
+            <a:r>
+              <a:rPr lang="en-US" altLang="zh-TW" sz="1100" dirty="0"/>
+              <a:t>#008080</a:t>
+            </a:r>
+            <a:endParaRPr lang="zh-TW" altLang="en-US" sz="1100" dirty="0"/>
+          </a:p>
+        </p:txBody>
+      </p:sp>
+      <p:pic>
+        <p:nvPicPr>
+          <p:cNvPr id="3" name="圖片 2">
+            <a:extLst>
+              <a:ext uri="{FF2B5EF4-FFF2-40B4-BE49-F238E27FC236}">
+                <a16:creationId xmlns:a16="http://schemas.microsoft.com/office/drawing/2014/main" id="{B4EB1CA3-299D-4EAA-91CB-FE165AF7BAA2}"/>
+              </a:ext>
+            </a:extLst>
+          </p:cNvPr>
+          <p:cNvPicPr>
+            <a:picLocks noChangeAspect="1"/>
+          </p:cNvPicPr>
+          <p:nvPr/>
+        </p:nvPicPr>
+        <p:blipFill>
+          <a:blip r:embed="rId2">
+            <a:extLst>
+              <a:ext uri="{28A0092B-C50C-407E-A947-70E740481C1C}">
+                <a14:useLocalDpi xmlns:a14="http://schemas.microsoft.com/office/drawing/2010/main" val="0"/>
+              </a:ext>
+            </a:extLst>
+          </a:blip>
+          <a:stretch>
+            <a:fillRect/>
+          </a:stretch>
+        </p:blipFill>
+        <p:spPr>
+          <a:xfrm>
+            <a:off x="0" y="3791175"/>
+            <a:ext cx="12192000" cy="3066825"/>
+          </a:xfrm>
+          <a:prstGeom prst="rect">
+            <a:avLst/>
+          </a:prstGeom>
+        </p:spPr>
+      </p:pic>
+    </p:spTree>
+    <p:extLst>
+      <p:ext uri="{BB962C8B-B14F-4D97-AF65-F5344CB8AC3E}">
+        <p14:creationId xmlns:p14="http://schemas.microsoft.com/office/powerpoint/2010/main" val="3129453560"/>
+      </p:ext>
+    </p:extLst>
+  </p:cSld>
+  <p:clrMapOvr>
+    <a:masterClrMapping/>
+  </p:clrMapOvr>
+</p:sld>
+</file>
+
+<file path=ppt/slides/slide3.xml><?xml version="1.0" encoding="utf-8"?>
 <p:sld xmlns:a="http://schemas.openxmlformats.org/drawingml/2006/main" xmlns:r="http://schemas.openxmlformats.org/officeDocument/2006/relationships" xmlns:p="http://schemas.openxmlformats.org/presentationml/2006/main">
   <p:cSld>
     <p:spTree>
